--- a/test.pptx
+++ b/test.pptx
@@ -104,6 +104,11 @@
       </a:defRPr>
     </a:lvl9pPr>
   </p:defaultTextStyle>
+  <p:extLst>
+    <p:ext uri="{EFAFB233-063F-42B5-8137-9DF3F51BA10A}">
+      <p15:sldGuideLst xmlns:p15="http://schemas.microsoft.com/office/powerpoint/2012/main"/>
+    </p:ext>
+  </p:extLst>
 </p:presentation>
 </file>
 
@@ -254,7 +259,7 @@
           <a:p>
             <a:fld id="{B5E8F62F-30F7-4E95-B07F-081D562C5A87}" type="datetimeFigureOut">
               <a:rPr lang="en-US" smtClean="0"/>
-              <a:t>11/4/2022</a:t>
+              <a:t>11/5/2022</a:t>
             </a:fld>
             <a:endParaRPr lang="en-US"/>
           </a:p>
@@ -452,7 +457,7 @@
           <a:p>
             <a:fld id="{B5E8F62F-30F7-4E95-B07F-081D562C5A87}" type="datetimeFigureOut">
               <a:rPr lang="en-US" smtClean="0"/>
-              <a:t>11/4/2022</a:t>
+              <a:t>11/5/2022</a:t>
             </a:fld>
             <a:endParaRPr lang="en-US"/>
           </a:p>
@@ -660,7 +665,7 @@
           <a:p>
             <a:fld id="{B5E8F62F-30F7-4E95-B07F-081D562C5A87}" type="datetimeFigureOut">
               <a:rPr lang="en-US" smtClean="0"/>
-              <a:t>11/4/2022</a:t>
+              <a:t>11/5/2022</a:t>
             </a:fld>
             <a:endParaRPr lang="en-US"/>
           </a:p>
@@ -858,7 +863,7 @@
           <a:p>
             <a:fld id="{B5E8F62F-30F7-4E95-B07F-081D562C5A87}" type="datetimeFigureOut">
               <a:rPr lang="en-US" smtClean="0"/>
-              <a:t>11/4/2022</a:t>
+              <a:t>11/5/2022</a:t>
             </a:fld>
             <a:endParaRPr lang="en-US"/>
           </a:p>
@@ -1133,7 +1138,7 @@
           <a:p>
             <a:fld id="{B5E8F62F-30F7-4E95-B07F-081D562C5A87}" type="datetimeFigureOut">
               <a:rPr lang="en-US" smtClean="0"/>
-              <a:t>11/4/2022</a:t>
+              <a:t>11/5/2022</a:t>
             </a:fld>
             <a:endParaRPr lang="en-US"/>
           </a:p>
@@ -1398,7 +1403,7 @@
           <a:p>
             <a:fld id="{B5E8F62F-30F7-4E95-B07F-081D562C5A87}" type="datetimeFigureOut">
               <a:rPr lang="en-US" smtClean="0"/>
-              <a:t>11/4/2022</a:t>
+              <a:t>11/5/2022</a:t>
             </a:fld>
             <a:endParaRPr lang="en-US"/>
           </a:p>
@@ -1810,7 +1815,7 @@
           <a:p>
             <a:fld id="{B5E8F62F-30F7-4E95-B07F-081D562C5A87}" type="datetimeFigureOut">
               <a:rPr lang="en-US" smtClean="0"/>
-              <a:t>11/4/2022</a:t>
+              <a:t>11/5/2022</a:t>
             </a:fld>
             <a:endParaRPr lang="en-US"/>
           </a:p>
@@ -1951,7 +1956,7 @@
           <a:p>
             <a:fld id="{B5E8F62F-30F7-4E95-B07F-081D562C5A87}" type="datetimeFigureOut">
               <a:rPr lang="en-US" smtClean="0"/>
-              <a:t>11/4/2022</a:t>
+              <a:t>11/5/2022</a:t>
             </a:fld>
             <a:endParaRPr lang="en-US"/>
           </a:p>
@@ -2064,7 +2069,7 @@
           <a:p>
             <a:fld id="{B5E8F62F-30F7-4E95-B07F-081D562C5A87}" type="datetimeFigureOut">
               <a:rPr lang="en-US" smtClean="0"/>
-              <a:t>11/4/2022</a:t>
+              <a:t>11/5/2022</a:t>
             </a:fld>
             <a:endParaRPr lang="en-US"/>
           </a:p>
@@ -2375,7 +2380,7 @@
           <a:p>
             <a:fld id="{B5E8F62F-30F7-4E95-B07F-081D562C5A87}" type="datetimeFigureOut">
               <a:rPr lang="en-US" smtClean="0"/>
-              <a:t>11/4/2022</a:t>
+              <a:t>11/5/2022</a:t>
             </a:fld>
             <a:endParaRPr lang="en-US"/>
           </a:p>
@@ -2663,7 +2668,7 @@
           <a:p>
             <a:fld id="{B5E8F62F-30F7-4E95-B07F-081D562C5A87}" type="datetimeFigureOut">
               <a:rPr lang="en-US" smtClean="0"/>
-              <a:t>11/4/2022</a:t>
+              <a:t>11/5/2022</a:t>
             </a:fld>
             <a:endParaRPr lang="en-US"/>
           </a:p>
@@ -2904,7 +2909,7 @@
           <a:p>
             <a:fld id="{B5E8F62F-30F7-4E95-B07F-081D562C5A87}" type="datetimeFigureOut">
               <a:rPr lang="en-US" smtClean="0"/>
-              <a:t>11/4/2022</a:t>
+              <a:t>11/5/2022</a:t>
             </a:fld>
             <a:endParaRPr lang="en-US"/>
           </a:p>
@@ -3384,8 +3389,8 @@
         </p:nvSpPr>
         <p:spPr>
           <a:xfrm>
-            <a:off x="10662407" y="253005"/>
-            <a:ext cx="1238442" cy="906163"/>
+            <a:off x="10461072" y="253005"/>
+            <a:ext cx="1574015" cy="906163"/>
           </a:xfrm>
           <a:prstGeom prst="rect">
             <a:avLst/>
@@ -3434,7 +3439,7 @@
         <p:spPr>
           <a:xfrm>
             <a:off x="0" y="261254"/>
-            <a:ext cx="12192000" cy="369332"/>
+            <a:ext cx="12192000" cy="400110"/>
           </a:xfrm>
           <a:prstGeom prst="rect">
             <a:avLst/>
@@ -3449,7 +3454,7 @@
           <a:p>
             <a:pPr algn="ctr"/>
             <a:r>
-              <a:rPr lang="en-US" dirty="0">
+              <a:rPr lang="en-US" sz="2000" dirty="0">
                 <a:solidFill>
                   <a:schemeClr val="bg1"/>
                 </a:solidFill>
@@ -3474,7 +3479,7 @@
         <p:spPr>
           <a:xfrm>
             <a:off x="4671448" y="667910"/>
-            <a:ext cx="2930263" cy="369332"/>
+            <a:ext cx="2930263" cy="430887"/>
           </a:xfrm>
           <a:prstGeom prst="rect">
             <a:avLst/>
@@ -3489,7 +3494,7 @@
           <a:p>
             <a:pPr algn="ctr"/>
             <a:r>
-              <a:rPr lang="en-US" sz="900" b="0" i="0" dirty="0">
+              <a:rPr lang="en-US" sz="1100" b="0" i="0" dirty="0">
                 <a:solidFill>
                   <a:schemeClr val="bg1"/>
                 </a:solidFill>
@@ -3498,7 +3503,7 @@
               </a:rPr>
               <a:t>A computer science student passionate about graphics programming.</a:t>
             </a:r>
-            <a:endParaRPr lang="en-US" sz="900" dirty="0">
+            <a:endParaRPr lang="en-US" sz="1100" dirty="0">
               <a:solidFill>
                 <a:schemeClr val="bg1"/>
               </a:solidFill>
@@ -3520,8 +3525,8 @@
         </p:nvSpPr>
         <p:spPr>
           <a:xfrm>
-            <a:off x="220155" y="1570974"/>
-            <a:ext cx="2101323" cy="369332"/>
+            <a:off x="270489" y="1436750"/>
+            <a:ext cx="2101323" cy="461665"/>
           </a:xfrm>
           <a:prstGeom prst="rect">
             <a:avLst/>
@@ -3536,14 +3541,14 @@
           <a:p>
             <a:pPr algn="ctr"/>
             <a:r>
-              <a:rPr lang="en-US" b="1" dirty="0">
+              <a:rPr lang="en-US" sz="2400" b="1" dirty="0">
                 <a:latin typeface="Agency FB" panose="020B0503020202020204" pitchFamily="34" charset="0"/>
                 <a:cs typeface="AngsanaUPC" panose="020B0502040204020203" pitchFamily="18" charset="-34"/>
               </a:rPr>
               <a:t>My </a:t>
             </a:r>
             <a:r>
-              <a:rPr lang="en-US" b="1" dirty="0">
+              <a:rPr lang="en-US" sz="2400" b="1" dirty="0">
                 <a:solidFill>
                   <a:srgbClr val="0070C0"/>
                 </a:solidFill>
@@ -3569,8 +3574,8 @@
         </p:nvSpPr>
         <p:spPr>
           <a:xfrm>
-            <a:off x="2509938" y="2115704"/>
-            <a:ext cx="4282751" cy="1231106"/>
+            <a:off x="2610606" y="1905979"/>
+            <a:ext cx="4587148" cy="1446550"/>
           </a:xfrm>
           <a:prstGeom prst="rect">
             <a:avLst/>
@@ -3597,16 +3602,16 @@
           </a:p>
           <a:p>
             <a:r>
-              <a:rPr lang="en-US" sz="800" dirty="0"/>
+              <a:rPr lang="en-US" sz="1000" dirty="0"/>
               <a:t>Made with: Java, LWJGL, OpenGL</a:t>
             </a:r>
           </a:p>
           <a:p>
-            <a:endParaRPr lang="en-US" sz="800" dirty="0"/>
-          </a:p>
-          <a:p>
-            <a:r>
-              <a:rPr lang="en-US" sz="800" dirty="0"/>
+            <a:endParaRPr lang="en-US" sz="1000" dirty="0"/>
+          </a:p>
+          <a:p>
+            <a:r>
+              <a:rPr lang="en-US" sz="1000" dirty="0"/>
               <a:t>An optimization mod for Minecraft that reduces stuttering and increases frame rates by several times the base game. This mod rewrites the entire rendering engine from the ground up to use more modern OpenGL strategies, better culling algorithms, and more efficient CPU to GPU communication. I’ve worked with two other people to refactor large portions of the mod since I became a lead developer.</a:t>
             </a:r>
           </a:p>
@@ -3634,7 +3639,7 @@
         </p:blipFill>
         <p:spPr>
           <a:xfrm>
-            <a:off x="3473441" y="202531"/>
+            <a:off x="3280494" y="202531"/>
             <a:ext cx="1175938" cy="1028946"/>
           </a:xfrm>
           <a:prstGeom prst="rect">
@@ -3656,8 +3661,8 @@
         </p:nvSpPr>
         <p:spPr>
           <a:xfrm>
-            <a:off x="10653001" y="807939"/>
-            <a:ext cx="1382086" cy="218265"/>
+            <a:off x="10461072" y="807939"/>
+            <a:ext cx="1574015" cy="249684"/>
           </a:xfrm>
           <a:prstGeom prst="rect">
             <a:avLst/>
@@ -3682,7 +3687,7 @@
               </a:spcAft>
             </a:pPr>
             <a:r>
-              <a:rPr lang="en-US" sz="800" b="1" dirty="0">
+              <a:rPr lang="en-US" sz="1000" b="1" dirty="0">
                 <a:latin typeface="Calibri" panose="020F0502020204030204" pitchFamily="34" charset="0"/>
                 <a:ea typeface="Calibri" panose="020F0502020204030204" pitchFamily="34" charset="0"/>
                 <a:cs typeface="Times New Roman" panose="02020603050405020304" pitchFamily="18" charset="0"/>
@@ -3690,7 +3695,7 @@
               </a:rPr>
               <a:t>ryan.gehling@yahoo.com</a:t>
             </a:r>
-            <a:endParaRPr lang="en-US" sz="800" b="1" dirty="0">
+            <a:endParaRPr lang="en-US" sz="1000" b="1" dirty="0">
               <a:latin typeface="Calibri" panose="020F0502020204030204" pitchFamily="34" charset="0"/>
               <a:ea typeface="Calibri" panose="020F0502020204030204" pitchFamily="34" charset="0"/>
               <a:cs typeface="Times New Roman" panose="02020603050405020304" pitchFamily="18" charset="0"/>
@@ -3781,8 +3786,8 @@
         </p:nvSpPr>
         <p:spPr>
           <a:xfrm>
-            <a:off x="7915581" y="2080544"/>
-            <a:ext cx="3722889" cy="1974771"/>
+            <a:off x="7915581" y="1921153"/>
+            <a:ext cx="3886592" cy="2533386"/>
           </a:xfrm>
           <a:prstGeom prst="rect">
             <a:avLst/>
@@ -3814,7 +3819,7 @@
               </a:spcAft>
             </a:pPr>
             <a:r>
-              <a:rPr lang="en-US" sz="800" dirty="0">
+              <a:rPr lang="en-US" sz="1000" dirty="0">
                 <a:effectLst/>
                 <a:latin typeface="Calibri" panose="020F0502020204030204" pitchFamily="34" charset="0"/>
                 <a:ea typeface="Calibri" panose="020F0502020204030204" pitchFamily="34" charset="0"/>
@@ -3836,7 +3841,7 @@
               </a:spcAft>
             </a:pPr>
             <a:r>
-              <a:rPr lang="en-US" sz="800" dirty="0">
+              <a:rPr lang="en-US" sz="1000" dirty="0">
                 <a:effectLst/>
                 <a:latin typeface="Calibri" panose="020F0502020204030204" pitchFamily="34" charset="0"/>
                 <a:ea typeface="Calibri" panose="020F0502020204030204" pitchFamily="34" charset="0"/>
@@ -3858,7 +3863,7 @@
               </a:spcAft>
             </a:pPr>
             <a:r>
-              <a:rPr lang="en-US" sz="800" dirty="0">
+              <a:rPr lang="en-US" sz="1000" dirty="0">
                 <a:effectLst/>
                 <a:latin typeface="Calibri" panose="020F0502020204030204" pitchFamily="34" charset="0"/>
                 <a:ea typeface="Calibri" panose="020F0502020204030204" pitchFamily="34" charset="0"/>
@@ -3878,11 +3883,11 @@
               <a:spcAft>
                 <a:spcPts val="0"/>
               </a:spcAft>
-              <a:buFont typeface="Symbol" panose="05050102010706020507" pitchFamily="18" charset="2"/>
-              <a:buChar char=""/>
+              <a:buFont typeface="Wingdings" panose="05000000000000000000" pitchFamily="2" charset="2"/>
+              <a:buChar char="v"/>
             </a:pPr>
             <a:r>
-              <a:rPr lang="en-US" sz="800" dirty="0">
+              <a:rPr lang="en-US" sz="1000" dirty="0">
                 <a:effectLst/>
                 <a:latin typeface="Calibri" panose="020F0502020204030204" pitchFamily="34" charset="0"/>
                 <a:ea typeface="Calibri" panose="020F0502020204030204" pitchFamily="34" charset="0"/>
@@ -3902,11 +3907,11 @@
               <a:spcAft>
                 <a:spcPts val="0"/>
               </a:spcAft>
-              <a:buFont typeface="Symbol" panose="05050102010706020507" pitchFamily="18" charset="2"/>
-              <a:buChar char=""/>
+              <a:buFont typeface="Wingdings" panose="05000000000000000000" pitchFamily="2" charset="2"/>
+              <a:buChar char="v"/>
             </a:pPr>
             <a:r>
-              <a:rPr lang="en-US" sz="800" dirty="0">
+              <a:rPr lang="en-US" sz="1000" dirty="0">
                 <a:effectLst/>
                 <a:latin typeface="Calibri" panose="020F0502020204030204" pitchFamily="34" charset="0"/>
                 <a:ea typeface="Calibri" panose="020F0502020204030204" pitchFamily="34" charset="0"/>
@@ -3926,11 +3931,11 @@
               <a:spcAft>
                 <a:spcPts val="0"/>
               </a:spcAft>
-              <a:buFont typeface="Symbol" panose="05050102010706020507" pitchFamily="18" charset="2"/>
-              <a:buChar char=""/>
+              <a:buFont typeface="Wingdings" panose="05000000000000000000" pitchFamily="2" charset="2"/>
+              <a:buChar char="v"/>
             </a:pPr>
             <a:r>
-              <a:rPr lang="en-US" sz="800" dirty="0">
+              <a:rPr lang="en-US" sz="1000" dirty="0">
                 <a:effectLst/>
                 <a:latin typeface="Calibri" panose="020F0502020204030204" pitchFamily="34" charset="0"/>
                 <a:ea typeface="Calibri" panose="020F0502020204030204" pitchFamily="34" charset="0"/>
@@ -3950,11 +3955,11 @@
               <a:spcAft>
                 <a:spcPts val="0"/>
               </a:spcAft>
-              <a:buFont typeface="Symbol" panose="05050102010706020507" pitchFamily="18" charset="2"/>
-              <a:buChar char=""/>
+              <a:buFont typeface="Wingdings" panose="05000000000000000000" pitchFamily="2" charset="2"/>
+              <a:buChar char="v"/>
             </a:pPr>
             <a:r>
-              <a:rPr lang="en-US" sz="800" dirty="0">
+              <a:rPr lang="en-US" sz="1000" dirty="0">
                 <a:effectLst/>
                 <a:latin typeface="Calibri" panose="020F0502020204030204" pitchFamily="34" charset="0"/>
                 <a:ea typeface="Calibri" panose="020F0502020204030204" pitchFamily="34" charset="0"/>
@@ -3974,11 +3979,11 @@
               <a:spcAft>
                 <a:spcPts val="0"/>
               </a:spcAft>
-              <a:buFont typeface="Symbol" panose="05050102010706020507" pitchFamily="18" charset="2"/>
-              <a:buChar char=""/>
+              <a:buFont typeface="Wingdings" panose="05000000000000000000" pitchFamily="2" charset="2"/>
+              <a:buChar char="v"/>
             </a:pPr>
             <a:r>
-              <a:rPr lang="en-US" sz="800" dirty="0">
+              <a:rPr lang="en-US" sz="1000" dirty="0">
                 <a:effectLst/>
                 <a:latin typeface="Calibri" panose="020F0502020204030204" pitchFamily="34" charset="0"/>
                 <a:ea typeface="Calibri" panose="020F0502020204030204" pitchFamily="34" charset="0"/>
@@ -3998,11 +4003,11 @@
               <a:spcAft>
                 <a:spcPts val="0"/>
               </a:spcAft>
-              <a:buFont typeface="Symbol" panose="05050102010706020507" pitchFamily="18" charset="2"/>
-              <a:buChar char=""/>
+              <a:buFont typeface="Wingdings" panose="05000000000000000000" pitchFamily="2" charset="2"/>
+              <a:buChar char="v"/>
             </a:pPr>
             <a:r>
-              <a:rPr lang="en-US" sz="800" dirty="0">
+              <a:rPr lang="en-US" sz="1000" dirty="0">
                 <a:effectLst/>
                 <a:latin typeface="Calibri" panose="020F0502020204030204" pitchFamily="34" charset="0"/>
                 <a:ea typeface="Calibri" panose="020F0502020204030204" pitchFamily="34" charset="0"/>
@@ -4022,11 +4027,11 @@
               <a:spcAft>
                 <a:spcPts val="800"/>
               </a:spcAft>
-              <a:buFont typeface="Symbol" panose="05050102010706020507" pitchFamily="18" charset="2"/>
-              <a:buChar char=""/>
+              <a:buFont typeface="Wingdings" panose="05000000000000000000" pitchFamily="2" charset="2"/>
+              <a:buChar char="v"/>
             </a:pPr>
             <a:r>
-              <a:rPr lang="en-US" sz="800" dirty="0">
+              <a:rPr lang="en-US" sz="1000" dirty="0">
                 <a:effectLst/>
                 <a:latin typeface="Calibri" panose="020F0502020204030204" pitchFamily="34" charset="0"/>
                 <a:ea typeface="Calibri" panose="020F0502020204030204" pitchFamily="34" charset="0"/>
@@ -4051,8 +4056,8 @@
         </p:nvSpPr>
         <p:spPr>
           <a:xfrm>
-            <a:off x="2508001" y="3749640"/>
-            <a:ext cx="4282751" cy="1231106"/>
+            <a:off x="2608669" y="3430858"/>
+            <a:ext cx="4647808" cy="1600438"/>
           </a:xfrm>
           <a:prstGeom prst="rect">
             <a:avLst/>
@@ -4079,16 +4084,16 @@
           </a:p>
           <a:p>
             <a:r>
-              <a:rPr lang="en-US" sz="800" dirty="0"/>
+              <a:rPr lang="en-US" sz="1000" dirty="0"/>
               <a:t>Made with: Java, GWT, WebGL</a:t>
             </a:r>
           </a:p>
           <a:p>
-            <a:endParaRPr lang="en-US" sz="800" dirty="0"/>
-          </a:p>
-          <a:p>
-            <a:r>
-              <a:rPr lang="en-US" sz="800" dirty="0"/>
+            <a:endParaRPr lang="en-US" sz="1000" dirty="0"/>
+          </a:p>
+          <a:p>
+            <a:r>
+              <a:rPr lang="en-US" sz="1000" dirty="0"/>
               <a:t>An online tool for students and educators to model mathematics, graph equations, analyze algebra, and more. I worked with two other lead developers to discuss potential rendering improvements and updating to newer rendering tools. I’ve begun work on efforts to make the 3D graphing calculator more performant by reducing and batching draw calls. I’ve also started work on adding more features to the existing 3D graphs.</a:t>
             </a:r>
           </a:p>
@@ -4108,8 +4113,8 @@
         </p:nvSpPr>
         <p:spPr>
           <a:xfrm>
-            <a:off x="2508000" y="5304217"/>
-            <a:ext cx="4282751" cy="1231106"/>
+            <a:off x="2608668" y="5086103"/>
+            <a:ext cx="4742284" cy="1600438"/>
           </a:xfrm>
           <a:prstGeom prst="rect">
             <a:avLst/>
@@ -4136,16 +4141,16 @@
           </a:p>
           <a:p>
             <a:r>
-              <a:rPr lang="en-US" sz="800" dirty="0"/>
+              <a:rPr lang="en-US" sz="1000" dirty="0"/>
               <a:t>Made with: Java, LWJGL, Vulkan</a:t>
             </a:r>
           </a:p>
           <a:p>
-            <a:endParaRPr lang="en-US" sz="800" dirty="0"/>
-          </a:p>
-          <a:p>
-            <a:r>
-              <a:rPr lang="en-US" sz="800" dirty="0"/>
+            <a:endParaRPr lang="en-US" sz="1000" dirty="0"/>
+          </a:p>
+          <a:p>
+            <a:r>
+              <a:rPr lang="en-US" sz="1000" dirty="0"/>
               <a:t>A mod for Minecraft meant to replace the existing OpenGL rendering engine with one that uses Vulkan, maintaining compatibility with existing mods and adding additional features. There was a large demand for this conversion from the Minecraft community. I worked with 3 other developers, and together, we  completed the conversion. We plan on expanding this further to add compatibility with Sodium and add additional features such as ray tracing.</a:t>
             </a:r>
           </a:p>
@@ -4165,8 +4170,8 @@
         </p:nvSpPr>
         <p:spPr>
           <a:xfrm>
-            <a:off x="7250284" y="1570974"/>
-            <a:ext cx="2101323" cy="369332"/>
+            <a:off x="7350952" y="1439633"/>
+            <a:ext cx="2101323" cy="461665"/>
           </a:xfrm>
           <a:prstGeom prst="rect">
             <a:avLst/>
@@ -4181,14 +4186,14 @@
           <a:p>
             <a:pPr algn="ctr"/>
             <a:r>
-              <a:rPr lang="en-US" b="1" dirty="0">
+              <a:rPr lang="en-US" sz="2400" b="1" dirty="0">
                 <a:latin typeface="Agency FB" panose="020B0503020202020204" pitchFamily="34" charset="0"/>
                 <a:cs typeface="AngsanaUPC" panose="020B0502040204020203" pitchFamily="18" charset="-34"/>
               </a:rPr>
               <a:t>About </a:t>
             </a:r>
             <a:r>
-              <a:rPr lang="en-US" b="1" dirty="0">
+              <a:rPr lang="en-US" sz="2400" b="1" dirty="0">
                 <a:solidFill>
                   <a:srgbClr val="0070C0"/>
                 </a:solidFill>
@@ -4222,8 +4227,8 @@
         </p:blipFill>
         <p:spPr>
           <a:xfrm>
-            <a:off x="414724" y="5599650"/>
-            <a:ext cx="1850041" cy="640239"/>
+            <a:off x="207244" y="5589734"/>
+            <a:ext cx="2227809" cy="770972"/>
           </a:xfrm>
           <a:prstGeom prst="rect">
             <a:avLst/>
@@ -4257,8 +4262,8 @@
         </p:blipFill>
         <p:spPr>
           <a:xfrm>
-            <a:off x="482349" y="3854555"/>
-            <a:ext cx="1714792" cy="1126191"/>
+            <a:off x="544197" y="3769995"/>
+            <a:ext cx="1589925" cy="1102696"/>
           </a:xfrm>
           <a:prstGeom prst="rect">
             <a:avLst/>
@@ -4292,8 +4297,8 @@
         </p:blipFill>
         <p:spPr>
           <a:xfrm>
-            <a:off x="553530" y="2080544"/>
-            <a:ext cx="1438421" cy="1462002"/>
+            <a:off x="691814" y="2027864"/>
+            <a:ext cx="1293244" cy="1314443"/>
           </a:xfrm>
           <a:prstGeom prst="rect">
             <a:avLst/>
